--- a/JavaScript/Week10/Week10.pptx
+++ b/JavaScript/Week10/Week10.pptx
@@ -1366,7 +1366,7 @@
           <a:p>
             <a:fld id="{F28A4246-F2A7-4220-A405-8A96DAE08D6A}" type="datetimeFigureOut">
               <a:rPr lang="en-US" smtClean="0"/>
-              <a:t>6/30/25</a:t>
+              <a:t>11/6/2025</a:t>
             </a:fld>
             <a:endParaRPr lang="en-US"/>
           </a:p>
@@ -1534,7 +1534,7 @@
           <a:p>
             <a:fld id="{F28A4246-F2A7-4220-A405-8A96DAE08D6A}" type="datetimeFigureOut">
               <a:rPr lang="en-US" smtClean="0"/>
-              <a:t>6/30/25</a:t>
+              <a:t>11/6/2025</a:t>
             </a:fld>
             <a:endParaRPr lang="en-US"/>
           </a:p>
@@ -1712,7 +1712,7 @@
           <a:p>
             <a:fld id="{F28A4246-F2A7-4220-A405-8A96DAE08D6A}" type="datetimeFigureOut">
               <a:rPr lang="en-US" smtClean="0"/>
-              <a:t>6/30/25</a:t>
+              <a:t>11/6/2025</a:t>
             </a:fld>
             <a:endParaRPr lang="en-US"/>
           </a:p>
@@ -1880,7 +1880,7 @@
           <a:p>
             <a:fld id="{F28A4246-F2A7-4220-A405-8A96DAE08D6A}" type="datetimeFigureOut">
               <a:rPr lang="en-US" smtClean="0"/>
-              <a:t>6/30/25</a:t>
+              <a:t>11/6/2025</a:t>
             </a:fld>
             <a:endParaRPr lang="en-US"/>
           </a:p>
@@ -2125,7 +2125,7 @@
           <a:p>
             <a:fld id="{F28A4246-F2A7-4220-A405-8A96DAE08D6A}" type="datetimeFigureOut">
               <a:rPr lang="en-US" smtClean="0"/>
-              <a:t>6/30/25</a:t>
+              <a:t>11/6/2025</a:t>
             </a:fld>
             <a:endParaRPr lang="en-US"/>
           </a:p>
@@ -2354,7 +2354,7 @@
           <a:p>
             <a:fld id="{F28A4246-F2A7-4220-A405-8A96DAE08D6A}" type="datetimeFigureOut">
               <a:rPr lang="en-US" smtClean="0"/>
-              <a:t>6/30/25</a:t>
+              <a:t>11/6/2025</a:t>
             </a:fld>
             <a:endParaRPr lang="en-US"/>
           </a:p>
@@ -2718,7 +2718,7 @@
           <a:p>
             <a:fld id="{F28A4246-F2A7-4220-A405-8A96DAE08D6A}" type="datetimeFigureOut">
               <a:rPr lang="en-US" smtClean="0"/>
-              <a:t>6/30/25</a:t>
+              <a:t>11/6/2025</a:t>
             </a:fld>
             <a:endParaRPr lang="en-US"/>
           </a:p>
@@ -2835,7 +2835,7 @@
           <a:p>
             <a:fld id="{F28A4246-F2A7-4220-A405-8A96DAE08D6A}" type="datetimeFigureOut">
               <a:rPr lang="en-US" smtClean="0"/>
-              <a:t>6/30/25</a:t>
+              <a:t>11/6/2025</a:t>
             </a:fld>
             <a:endParaRPr lang="en-US"/>
           </a:p>
@@ -2930,7 +2930,7 @@
           <a:p>
             <a:fld id="{F28A4246-F2A7-4220-A405-8A96DAE08D6A}" type="datetimeFigureOut">
               <a:rPr lang="en-US" smtClean="0"/>
-              <a:t>6/30/25</a:t>
+              <a:t>11/6/2025</a:t>
             </a:fld>
             <a:endParaRPr lang="en-US"/>
           </a:p>
@@ -3205,7 +3205,7 @@
           <a:p>
             <a:fld id="{F28A4246-F2A7-4220-A405-8A96DAE08D6A}" type="datetimeFigureOut">
               <a:rPr lang="en-US" smtClean="0"/>
-              <a:t>6/30/25</a:t>
+              <a:t>11/6/2025</a:t>
             </a:fld>
             <a:endParaRPr lang="en-US"/>
           </a:p>
@@ -3460,7 +3460,7 @@
           <a:p>
             <a:fld id="{F28A4246-F2A7-4220-A405-8A96DAE08D6A}" type="datetimeFigureOut">
               <a:rPr lang="en-US" smtClean="0"/>
-              <a:t>6/30/25</a:t>
+              <a:t>11/6/2025</a:t>
             </a:fld>
             <a:endParaRPr lang="en-US"/>
           </a:p>
@@ -3671,7 +3671,7 @@
           <a:p>
             <a:fld id="{F28A4246-F2A7-4220-A405-8A96DAE08D6A}" type="datetimeFigureOut">
               <a:rPr lang="en-US" smtClean="0"/>
-              <a:t>6/30/25</a:t>
+              <a:t>11/6/2025</a:t>
             </a:fld>
             <a:endParaRPr lang="en-US"/>
           </a:p>
@@ -5322,7 +5322,7 @@
         </p:nvSpPr>
         <p:spPr>
           <a:xfrm>
-            <a:off x="838200" y="1825624"/>
+            <a:off x="838200" y="1460500"/>
             <a:ext cx="10515600" cy="5032375"/>
           </a:xfrm>
         </p:spPr>
@@ -7852,7 +7852,7 @@
             </a:r>
             <a:r>
               <a:rPr lang="en-US" dirty="0"/>
-              <a:t>/Angular JS, Node JS</a:t>
+              <a:t>/Angular JS, Node JS – Full Stack Developer!</a:t>
             </a:r>
           </a:p>
           <a:p>
@@ -7942,7 +7942,9 @@
         </p:nvSpPr>
         <p:spPr/>
         <p:txBody>
-          <a:bodyPr/>
+          <a:bodyPr>
+            <a:normAutofit lnSpcReduction="10000"/>
+          </a:bodyPr>
           <a:lstStyle/>
           <a:p>
             <a:r>
@@ -8065,8 +8067,13 @@
             <a:pPr lvl="1"/>
             <a:r>
               <a:rPr lang="en-US" dirty="0"/>
-              <a:t>HTML-like syntax within JavaScript!</a:t>
-            </a:r>
+              <a:t>HTML-like syntax within JavaScript! – It is ALWAYS the return from every component(Every </a:t>
+            </a:r>
+            <a:r>
+              <a:rPr lang="en-US"/>
+              <a:t>component returns JSX).</a:t>
+            </a:r>
+            <a:endParaRPr lang="en-US" dirty="0"/>
           </a:p>
         </p:txBody>
       </p:sp>

--- a/JavaScript/Week10/Week10.pptx
+++ b/JavaScript/Week10/Week10.pptx
@@ -8067,13 +8067,8 @@
             <a:pPr lvl="1"/>
             <a:r>
               <a:rPr lang="en-US" dirty="0"/>
-              <a:t>HTML-like syntax within JavaScript! – It is ALWAYS the return from every component(Every </a:t>
-            </a:r>
-            <a:r>
-              <a:rPr lang="en-US"/>
-              <a:t>component returns JSX).</a:t>
-            </a:r>
-            <a:endParaRPr lang="en-US" dirty="0"/>
+              <a:t>HTML-like syntax within JavaScript! – It is ALWAYS the return from every component(Every component returns JSX).</a:t>
+            </a:r>
           </a:p>
         </p:txBody>
       </p:sp>
@@ -8172,10 +8167,6 @@
               <a:buNone/>
             </a:pPr>
             <a:r>
-              <a:rPr lang="en-US" dirty="0"/>
-              <a:t> </a:t>
-            </a:r>
-            <a:r>
               <a:rPr lang="en-US" dirty="0" err="1"/>
               <a:t>npx</a:t>
             </a:r>
@@ -8217,10 +8208,9 @@
               <a:t>firstapp</a:t>
             </a:r>
             <a:r>
-              <a:rPr lang="en-US"/>
+              <a:rPr lang="en-US" dirty="0"/>
               <a:t> [for mac users]</a:t>
             </a:r>
-            <a:endParaRPr lang="en-US" dirty="0"/>
           </a:p>
           <a:p>
             <a:pPr marL="457200" lvl="1" indent="0">
@@ -8579,7 +8569,7 @@
           <a:lstStyle/>
           <a:p>
             <a:r>
-              <a:rPr lang="en-US" b="1">
+              <a:rPr lang="en-US" b="1" dirty="0">
                 <a:solidFill>
                   <a:srgbClr val="FF0000"/>
                 </a:solidFill>
@@ -8587,7 +8577,7 @@
               <a:t>Never send “</a:t>
             </a:r>
             <a:r>
-              <a:rPr lang="en-US" b="1" err="1">
+              <a:rPr lang="en-US" b="1" dirty="0" err="1">
                 <a:solidFill>
                   <a:srgbClr val="FF0000"/>
                 </a:solidFill>
@@ -8595,7 +8585,7 @@
               <a:t>node_modules</a:t>
             </a:r>
             <a:r>
-              <a:rPr lang="en-US" b="1">
+              <a:rPr lang="en-US" b="1" dirty="0">
                 <a:solidFill>
                   <a:srgbClr val="FF0000"/>
                 </a:solidFill>
@@ -8603,7 +8593,7 @@
               <a:t>” while sending your project – even </a:t>
             </a:r>
             <a:r>
-              <a:rPr lang="en-US" b="1" err="1">
+              <a:rPr lang="en-US" b="1" dirty="0" err="1">
                 <a:solidFill>
                   <a:srgbClr val="FF0000"/>
                 </a:solidFill>
@@ -8611,7 +8601,7 @@
               <a:t>github</a:t>
             </a:r>
             <a:r>
-              <a:rPr lang="en-US" b="1">
+              <a:rPr lang="en-US" b="1" dirty="0">
                 <a:solidFill>
                   <a:srgbClr val="FF0000"/>
                 </a:solidFill>
@@ -8619,7 +8609,7 @@
               <a:t> ignores it anyhow </a:t>
             </a:r>
             <a:r>
-              <a:rPr lang="en-US" b="1">
+              <a:rPr lang="en-US" b="1" dirty="0">
                 <a:solidFill>
                   <a:srgbClr val="FF0000"/>
                 </a:solidFill>
@@ -8629,18 +8619,18 @@
             </a:r>
           </a:p>
           <a:p>
-            <a:endParaRPr lang="en-US">
+            <a:endParaRPr lang="en-US" dirty="0">
               <a:sym typeface="Wingdings" panose="05000000000000000000" pitchFamily="2" charset="2"/>
             </a:endParaRPr>
           </a:p>
           <a:p>
-            <a:endParaRPr lang="en-US">
+            <a:endParaRPr lang="en-US" dirty="0">
               <a:sym typeface="Wingdings" panose="05000000000000000000" pitchFamily="2" charset="2"/>
             </a:endParaRPr>
           </a:p>
           <a:p>
             <a:r>
-              <a:rPr lang="en-US" b="1">
+              <a:rPr lang="en-US" b="1" dirty="0">
                 <a:solidFill>
                   <a:schemeClr val="accent6">
                     <a:lumMod val="50000"/>
@@ -8651,7 +8641,7 @@
               <a:t>Always send your “</a:t>
             </a:r>
             <a:r>
-              <a:rPr lang="en-US" b="1" err="1">
+              <a:rPr lang="en-US" b="1" dirty="0" err="1">
                 <a:solidFill>
                   <a:schemeClr val="accent6">
                     <a:lumMod val="50000"/>
@@ -8662,7 +8652,7 @@
               <a:t>package.json</a:t>
             </a:r>
             <a:r>
-              <a:rPr lang="en-US" b="1">
+              <a:rPr lang="en-US" b="1" dirty="0">
                 <a:solidFill>
                   <a:schemeClr val="accent6">
                     <a:lumMod val="50000"/>
@@ -8673,7 +8663,7 @@
               <a:t>” file, I will run “</a:t>
             </a:r>
             <a:r>
-              <a:rPr lang="en-US" b="1" err="1">
+              <a:rPr lang="en-US" b="1" dirty="0" err="1">
                 <a:solidFill>
                   <a:schemeClr val="accent6">
                     <a:lumMod val="50000"/>
@@ -8684,7 +8674,7 @@
               <a:t>npm</a:t>
             </a:r>
             <a:r>
-              <a:rPr lang="en-US" b="1">
+              <a:rPr lang="en-US" b="1" dirty="0">
                 <a:solidFill>
                   <a:schemeClr val="accent6">
                     <a:lumMod val="50000"/>
@@ -8695,7 +8685,7 @@
               <a:t> install” and will get the </a:t>
             </a:r>
             <a:r>
-              <a:rPr lang="en-US" b="1" err="1">
+              <a:rPr lang="en-US" b="1" dirty="0" err="1">
                 <a:solidFill>
                   <a:schemeClr val="accent6">
                     <a:lumMod val="50000"/>
@@ -8706,7 +8696,7 @@
               <a:t>node_modules</a:t>
             </a:r>
             <a:r>
-              <a:rPr lang="en-US" b="1">
+              <a:rPr lang="en-US" b="1" dirty="0">
                 <a:solidFill>
                   <a:schemeClr val="accent6">
                     <a:lumMod val="50000"/>
@@ -8718,7 +8708,7 @@
             </a:r>
           </a:p>
           <a:p>
-            <a:endParaRPr lang="en-US"/>
+            <a:endParaRPr lang="en-US" dirty="0"/>
           </a:p>
         </p:txBody>
       </p:sp>
@@ -8802,24 +8792,20 @@
           <a:lstStyle/>
           <a:p>
             <a:r>
-              <a:rPr lang="en-US"/>
+              <a:rPr lang="en-US" dirty="0"/>
               <a:t>“index.html”   - SPA (Remember?)</a:t>
             </a:r>
           </a:p>
           <a:p>
             <a:pPr lvl="1"/>
             <a:r>
-              <a:rPr lang="en-US"/>
+              <a:rPr lang="en-US" dirty="0"/>
               <a:t>Contains a &lt;div&gt; with id root </a:t>
             </a:r>
           </a:p>
           <a:p>
             <a:r>
-              <a:rPr lang="en-US"/>
-              <a:t>“index.js”  NOW </a:t>
-            </a:r>
-            <a:r>
-              <a:rPr lang="en-US">
+              <a:rPr lang="en-US" dirty="0">
                 <a:solidFill>
                   <a:srgbClr val="FF0000"/>
                 </a:solidFill>
@@ -8827,7 +8813,7 @@
               <a:t>“</a:t>
             </a:r>
             <a:r>
-              <a:rPr lang="en-US" err="1">
+              <a:rPr lang="en-US" dirty="0" err="1">
                 <a:solidFill>
                   <a:srgbClr val="FF0000"/>
                 </a:solidFill>
@@ -8835,7 +8821,7 @@
               <a:t>main.jsx</a:t>
             </a:r>
             <a:r>
-              <a:rPr lang="en-US">
+              <a:rPr lang="en-US" dirty="0">
                 <a:solidFill>
                   <a:srgbClr val="FF0000"/>
                 </a:solidFill>
@@ -8843,58 +8829,62 @@
               <a:t>”</a:t>
             </a:r>
             <a:r>
-              <a:rPr lang="en-US"/>
+              <a:rPr lang="en-US" dirty="0"/>
               <a:t> All important middle man!</a:t>
             </a:r>
           </a:p>
           <a:p>
             <a:pPr lvl="1"/>
             <a:r>
-              <a:rPr lang="en-US"/>
-              <a:t>That accesses that id root div from index.html and runs the App.js here</a:t>
-            </a:r>
-          </a:p>
-          <a:p>
-            <a:r>
-              <a:rPr lang="en-US"/>
-              <a:t>“App.js” or “</a:t>
-            </a:r>
-            <a:r>
-              <a:rPr lang="en-US" err="1"/>
+              <a:rPr lang="en-US" dirty="0"/>
+              <a:t>That accesses that id root div from index.html and runs the </a:t>
+            </a:r>
+            <a:r>
+              <a:rPr lang="en-US" dirty="0" err="1"/>
               <a:t>App.jsx</a:t>
             </a:r>
             <a:r>
-              <a:rPr lang="en-US"/>
+              <a:rPr lang="en-US" dirty="0"/>
+              <a:t> here</a:t>
+            </a:r>
+          </a:p>
+          <a:p>
+            <a:r>
+              <a:rPr lang="en-US" dirty="0"/>
+              <a:t>“</a:t>
+            </a:r>
+            <a:r>
+              <a:rPr lang="en-US" dirty="0" err="1"/>
+              <a:t>App.jsx</a:t>
+            </a:r>
+            <a:r>
+              <a:rPr lang="en-US" dirty="0"/>
               <a:t>”</a:t>
             </a:r>
           </a:p>
           <a:p>
             <a:pPr lvl="1"/>
             <a:r>
-              <a:rPr lang="en-US"/>
-              <a:t> the component that  </a:t>
-            </a:r>
-            <a:r>
-              <a:rPr lang="en-US" err="1"/>
-              <a:t>index.js</a:t>
-            </a:r>
-            <a:r>
-              <a:rPr lang="en-US"/>
-              <a:t>/</a:t>
-            </a:r>
-            <a:r>
-              <a:rPr lang="en-US" err="1"/>
-              <a:t>main.jsx</a:t>
-            </a:r>
-            <a:r>
-              <a:rPr lang="en-US"/>
+              <a:rPr lang="en-US" dirty="0"/>
+              <a:t> the component </a:t>
+            </a:r>
+            <a:r>
+              <a:rPr lang="en-US"/>
+              <a:t>that main</a:t>
+            </a:r>
+            <a:r>
+              <a:rPr lang="en-US" dirty="0" err="1"/>
+              <a:t>.jsx</a:t>
+            </a:r>
+            <a:r>
+              <a:rPr lang="en-US" dirty="0"/>
               <a:t> runs inside “index.html”</a:t>
             </a:r>
           </a:p>
           <a:p>
             <a:pPr lvl="2"/>
             <a:r>
-              <a:rPr lang="en-US"/>
+              <a:rPr lang="en-US" dirty="0"/>
               <a:t>Confusing???</a:t>
             </a:r>
           </a:p>
@@ -8902,10 +8892,10 @@
             <a:pPr marL="0" indent="0">
               <a:buNone/>
             </a:pPr>
-            <a:endParaRPr lang="en-US"/>
-          </a:p>
-          <a:p>
-            <a:endParaRPr lang="en-US"/>
+            <a:endParaRPr lang="en-US" dirty="0"/>
+          </a:p>
+          <a:p>
+            <a:endParaRPr lang="en-US" dirty="0"/>
           </a:p>
         </p:txBody>
       </p:sp>

--- a/JavaScript/Week10/Week10.pptx
+++ b/JavaScript/Week10/Week10.pptx
@@ -4225,25 +4225,28 @@
           <a:lstStyle/>
           <a:p>
             <a:r>
-              <a:rPr lang="en-US"/>
+              <a:rPr lang="en-US" dirty="0"/>
               <a:t>It’s the main component of React Application!</a:t>
             </a:r>
           </a:p>
           <a:p>
-            <a:r>
-              <a:rPr lang="en-US"/>
+            <a:endParaRPr lang="en-US" dirty="0"/>
+          </a:p>
+          <a:p>
+            <a:r>
+              <a:rPr lang="en-US" dirty="0"/>
               <a:t>All react components are like “functions”, with the difference being the components return “JSX” </a:t>
             </a:r>
           </a:p>
           <a:p>
-            <a:endParaRPr lang="en-US"/>
-          </a:p>
-          <a:p>
-            <a:endParaRPr lang="en-US"/>
-          </a:p>
-          <a:p>
-            <a:r>
-              <a:rPr lang="en-US"/>
+            <a:endParaRPr lang="en-US" dirty="0"/>
+          </a:p>
+          <a:p>
+            <a:endParaRPr lang="en-US" dirty="0"/>
+          </a:p>
+          <a:p>
+            <a:r>
+              <a:rPr lang="en-US" dirty="0"/>
               <a:t>Million-dollar question! What is JSX?</a:t>
             </a:r>
           </a:p>
@@ -4329,42 +4332,48 @@
           <a:lstStyle/>
           <a:p>
             <a:r>
-              <a:rPr lang="en-US"/>
+              <a:rPr lang="en-US" dirty="0"/>
               <a:t>is a combination of HTML, CSS and JS.</a:t>
             </a:r>
           </a:p>
           <a:p>
-            <a:endParaRPr lang="en-US"/>
-          </a:p>
-          <a:p>
-            <a:r>
-              <a:rPr lang="en-US"/>
+            <a:endParaRPr lang="en-US" dirty="0"/>
+          </a:p>
+          <a:p>
+            <a:r>
+              <a:rPr lang="en-US" dirty="0"/>
               <a:t>{ } </a:t>
             </a:r>
             <a:r>
-              <a:rPr lang="en-US" err="1"/>
+              <a:rPr lang="en-US" dirty="0" err="1"/>
               <a:t>javascript</a:t>
             </a:r>
             <a:r>
-              <a:rPr lang="en-US"/>
+              <a:rPr lang="en-US" dirty="0"/>
               <a:t> expression box where we can write literally any </a:t>
             </a:r>
             <a:r>
-              <a:rPr lang="en-US" err="1"/>
+              <a:rPr lang="en-US" dirty="0" err="1"/>
               <a:t>javascript</a:t>
             </a:r>
             <a:r>
-              <a:rPr lang="en-US"/>
+              <a:rPr lang="en-US" dirty="0"/>
               <a:t>!</a:t>
             </a:r>
           </a:p>
           <a:p>
-            <a:endParaRPr lang="en-US"/>
-          </a:p>
-          <a:p>
-            <a:r>
-              <a:rPr lang="en-US"/>
+            <a:endParaRPr lang="en-US" dirty="0"/>
+          </a:p>
+          <a:p>
+            <a:r>
+              <a:rPr lang="en-US" dirty="0"/>
               <a:t>So as mentioned, every component returns "JSX" that is boiled down to HTML when it goes to index.html</a:t>
+            </a:r>
+          </a:p>
+          <a:p>
+            <a:r>
+              <a:rPr lang="en-US" dirty="0"/>
+              <a:t>&lt;&gt; &lt;/&gt;.. They are called “fragments in react”.</a:t>
             </a:r>
           </a:p>
         </p:txBody>
@@ -8866,15 +8875,11 @@
             <a:pPr lvl="1"/>
             <a:r>
               <a:rPr lang="en-US" dirty="0"/>
-              <a:t> the component </a:t>
-            </a:r>
-            <a:r>
-              <a:rPr lang="en-US"/>
-              <a:t>that main</a:t>
+              <a:t> the component that </a:t>
             </a:r>
             <a:r>
               <a:rPr lang="en-US" dirty="0" err="1"/>
-              <a:t>.jsx</a:t>
+              <a:t>main.jsx</a:t>
             </a:r>
             <a:r>
               <a:rPr lang="en-US" dirty="0"/>

--- a/JavaScript/Week10/Week10.pptx
+++ b/JavaScript/Week10/Week10.pptx
@@ -1366,7 +1366,7 @@
           <a:p>
             <a:fld id="{F28A4246-F2A7-4220-A405-8A96DAE08D6A}" type="datetimeFigureOut">
               <a:rPr lang="en-US" smtClean="0"/>
-              <a:t>11/6/2025</a:t>
+              <a:t>11/12/2025</a:t>
             </a:fld>
             <a:endParaRPr lang="en-US"/>
           </a:p>
@@ -1534,7 +1534,7 @@
           <a:p>
             <a:fld id="{F28A4246-F2A7-4220-A405-8A96DAE08D6A}" type="datetimeFigureOut">
               <a:rPr lang="en-US" smtClean="0"/>
-              <a:t>11/6/2025</a:t>
+              <a:t>11/12/2025</a:t>
             </a:fld>
             <a:endParaRPr lang="en-US"/>
           </a:p>
@@ -1712,7 +1712,7 @@
           <a:p>
             <a:fld id="{F28A4246-F2A7-4220-A405-8A96DAE08D6A}" type="datetimeFigureOut">
               <a:rPr lang="en-US" smtClean="0"/>
-              <a:t>11/6/2025</a:t>
+              <a:t>11/12/2025</a:t>
             </a:fld>
             <a:endParaRPr lang="en-US"/>
           </a:p>
@@ -1880,7 +1880,7 @@
           <a:p>
             <a:fld id="{F28A4246-F2A7-4220-A405-8A96DAE08D6A}" type="datetimeFigureOut">
               <a:rPr lang="en-US" smtClean="0"/>
-              <a:t>11/6/2025</a:t>
+              <a:t>11/12/2025</a:t>
             </a:fld>
             <a:endParaRPr lang="en-US"/>
           </a:p>
@@ -2125,7 +2125,7 @@
           <a:p>
             <a:fld id="{F28A4246-F2A7-4220-A405-8A96DAE08D6A}" type="datetimeFigureOut">
               <a:rPr lang="en-US" smtClean="0"/>
-              <a:t>11/6/2025</a:t>
+              <a:t>11/12/2025</a:t>
             </a:fld>
             <a:endParaRPr lang="en-US"/>
           </a:p>
@@ -2354,7 +2354,7 @@
           <a:p>
             <a:fld id="{F28A4246-F2A7-4220-A405-8A96DAE08D6A}" type="datetimeFigureOut">
               <a:rPr lang="en-US" smtClean="0"/>
-              <a:t>11/6/2025</a:t>
+              <a:t>11/12/2025</a:t>
             </a:fld>
             <a:endParaRPr lang="en-US"/>
           </a:p>
@@ -2718,7 +2718,7 @@
           <a:p>
             <a:fld id="{F28A4246-F2A7-4220-A405-8A96DAE08D6A}" type="datetimeFigureOut">
               <a:rPr lang="en-US" smtClean="0"/>
-              <a:t>11/6/2025</a:t>
+              <a:t>11/12/2025</a:t>
             </a:fld>
             <a:endParaRPr lang="en-US"/>
           </a:p>
@@ -2835,7 +2835,7 @@
           <a:p>
             <a:fld id="{F28A4246-F2A7-4220-A405-8A96DAE08D6A}" type="datetimeFigureOut">
               <a:rPr lang="en-US" smtClean="0"/>
-              <a:t>11/6/2025</a:t>
+              <a:t>11/12/2025</a:t>
             </a:fld>
             <a:endParaRPr lang="en-US"/>
           </a:p>
@@ -2930,7 +2930,7 @@
           <a:p>
             <a:fld id="{F28A4246-F2A7-4220-A405-8A96DAE08D6A}" type="datetimeFigureOut">
               <a:rPr lang="en-US" smtClean="0"/>
-              <a:t>11/6/2025</a:t>
+              <a:t>11/12/2025</a:t>
             </a:fld>
             <a:endParaRPr lang="en-US"/>
           </a:p>
@@ -3205,7 +3205,7 @@
           <a:p>
             <a:fld id="{F28A4246-F2A7-4220-A405-8A96DAE08D6A}" type="datetimeFigureOut">
               <a:rPr lang="en-US" smtClean="0"/>
-              <a:t>11/6/2025</a:t>
+              <a:t>11/12/2025</a:t>
             </a:fld>
             <a:endParaRPr lang="en-US"/>
           </a:p>
@@ -3460,7 +3460,7 @@
           <a:p>
             <a:fld id="{F28A4246-F2A7-4220-A405-8A96DAE08D6A}" type="datetimeFigureOut">
               <a:rPr lang="en-US" smtClean="0"/>
-              <a:t>11/6/2025</a:t>
+              <a:t>11/12/2025</a:t>
             </a:fld>
             <a:endParaRPr lang="en-US"/>
           </a:p>
@@ -3671,7 +3671,7 @@
           <a:p>
             <a:fld id="{F28A4246-F2A7-4220-A405-8A96DAE08D6A}" type="datetimeFigureOut">
               <a:rPr lang="en-US" smtClean="0"/>
-              <a:t>11/6/2025</a:t>
+              <a:t>11/12/2025</a:t>
             </a:fld>
             <a:endParaRPr lang="en-US"/>
           </a:p>
@@ -4454,11 +4454,13 @@
         </p:nvSpPr>
         <p:spPr/>
         <p:txBody>
-          <a:bodyPr/>
-          <a:lstStyle/>
-          <a:p>
-            <a:r>
-              <a:rPr lang="en-US"/>
+          <a:bodyPr>
+            <a:normAutofit lnSpcReduction="10000"/>
+          </a:bodyPr>
+          <a:lstStyle/>
+          <a:p>
+            <a:r>
+              <a:rPr lang="en-US" dirty="0"/>
               <a:t> props to the components are LIKE parameters to the functions</a:t>
             </a:r>
           </a:p>
@@ -4466,16 +4468,63 @@
             <a:pPr marL="0" indent="0">
               <a:buNone/>
             </a:pPr>
-            <a:endParaRPr lang="en-US"/>
-          </a:p>
-          <a:p>
-            <a:r>
-              <a:rPr lang="en-US"/>
+            <a:endParaRPr lang="en-US" dirty="0"/>
+          </a:p>
+          <a:p>
+            <a:r>
+              <a:rPr lang="en-US" dirty="0"/>
               <a:t> We pass them while calling the component and receive them in called component....</a:t>
             </a:r>
           </a:p>
           <a:p>
-            <a:endParaRPr lang="en-US"/>
+            <a:endParaRPr lang="en-US" dirty="0"/>
+          </a:p>
+          <a:p>
+            <a:r>
+              <a:rPr lang="en-US" dirty="0" err="1"/>
+              <a:t>Destructuring</a:t>
+            </a:r>
+            <a:r>
+              <a:rPr lang="en-US" dirty="0"/>
+              <a:t> of props:</a:t>
+            </a:r>
+          </a:p>
+          <a:p>
+            <a:r>
+              <a:rPr lang="en-US" dirty="0"/>
+              <a:t>let {title, text} = props;</a:t>
+            </a:r>
+          </a:p>
+          <a:p>
+            <a:r>
+              <a:rPr lang="en-US" dirty="0"/>
+              <a:t>Directly </a:t>
+            </a:r>
+            <a:r>
+              <a:rPr lang="en-US" dirty="0" err="1"/>
+              <a:t>destructure</a:t>
+            </a:r>
+            <a:r>
+              <a:rPr lang="en-US" dirty="0"/>
+              <a:t> in the parameters of component function: </a:t>
+            </a:r>
+          </a:p>
+          <a:p>
+            <a:pPr marL="0" indent="0">
+              <a:buNone/>
+            </a:pPr>
+            <a:r>
+              <a:rPr lang="en-US" dirty="0"/>
+              <a:t>function Header({</a:t>
+            </a:r>
+            <a:r>
+              <a:rPr lang="en-US" dirty="0" err="1"/>
+              <a:t>title,text</a:t>
+            </a:r>
+            <a:r>
+              <a:rPr lang="en-US" dirty="0"/>
+              <a:t>})</a:t>
+            </a:r>
           </a:p>
         </p:txBody>
       </p:sp>
@@ -8160,95 +8209,21 @@
           <a:bodyPr/>
           <a:lstStyle/>
           <a:p>
-            <a:r>
-              <a:rPr lang="en-US" dirty="0"/>
-              <a:t>Traditional way:</a:t>
-            </a:r>
-          </a:p>
-          <a:p>
             <a:pPr marL="457200" lvl="1" indent="0">
               <a:buNone/>
             </a:pPr>
             <a:endParaRPr lang="en-US" dirty="0"/>
           </a:p>
           <a:p>
-            <a:pPr marL="457200" lvl="1" indent="0">
-              <a:buNone/>
-            </a:pPr>
-            <a:r>
-              <a:rPr lang="en-US" dirty="0" err="1"/>
-              <a:t>npx</a:t>
-            </a:r>
-            <a:r>
-              <a:rPr lang="en-US" dirty="0"/>
-              <a:t> create-react-app </a:t>
-            </a:r>
-            <a:r>
-              <a:rPr lang="en-US" dirty="0" err="1"/>
-              <a:t>firstapp</a:t>
-            </a:r>
-            <a:r>
-              <a:rPr lang="en-US" dirty="0"/>
-              <a:t> [for window users]</a:t>
-            </a:r>
-          </a:p>
-          <a:p>
-            <a:pPr marL="457200" lvl="1" indent="0">
-              <a:buNone/>
-            </a:pPr>
-            <a:r>
-              <a:rPr lang="en-US" dirty="0" err="1"/>
-              <a:t>sudo</a:t>
-            </a:r>
-            <a:r>
-              <a:rPr lang="en-US" dirty="0"/>
-              <a:t> </a:t>
-            </a:r>
-            <a:r>
-              <a:rPr lang="en-US" dirty="0" err="1"/>
-              <a:t>npx</a:t>
-            </a:r>
-            <a:r>
-              <a:rPr lang="en-US" dirty="0"/>
-              <a:t> create-react-app </a:t>
-            </a:r>
-            <a:r>
-              <a:rPr lang="en-US" dirty="0" err="1"/>
-              <a:t>firstapp</a:t>
-            </a:r>
-            <a:r>
-              <a:rPr lang="en-US" dirty="0"/>
-              <a:t> [for mac users]</a:t>
-            </a:r>
-          </a:p>
-          <a:p>
-            <a:pPr marL="457200" lvl="1" indent="0">
-              <a:buNone/>
-            </a:pPr>
-            <a:endParaRPr lang="en-US" dirty="0"/>
-          </a:p>
-          <a:p>
-            <a:pPr marL="457200" lvl="1" indent="0">
-              <a:buNone/>
-            </a:pPr>
-            <a:r>
-              <a:rPr lang="en-US" dirty="0"/>
-              <a:t>	</a:t>
-            </a:r>
-          </a:p>
-          <a:p>
-            <a:pPr marL="457200" lvl="1" indent="0">
-              <a:buNone/>
-            </a:pPr>
-            <a:endParaRPr lang="en-US" dirty="0"/>
-          </a:p>
-          <a:p>
-            <a:r>
-              <a:rPr lang="en-US" dirty="0">
+            <a:r>
+              <a:rPr lang="en-US">
                 <a:sym typeface="Wingdings" panose="05000000000000000000" pitchFamily="2" charset="2"/>
               </a:rPr>
-              <a:t>New way:</a:t>
-            </a:r>
+              <a:t>The Command:</a:t>
+            </a:r>
+            <a:endParaRPr lang="en-US" dirty="0">
+              <a:sym typeface="Wingdings" panose="05000000000000000000" pitchFamily="2" charset="2"/>
+            </a:endParaRPr>
           </a:p>
           <a:p>
             <a:pPr marL="457200" lvl="1" indent="0">
